--- a/poster.pptx
+++ b/poster.pptx
@@ -105,6 +105,11 @@
       </a:defRPr>
     </a:lvl9pPr>
   </p:defaultTextStyle>
+  <p:extLst>
+    <p:ext uri="{EFAFB233-063F-42B5-8137-9DF3F51BA10A}">
+      <p15:sldGuideLst xmlns:p15="http://schemas.microsoft.com/office/powerpoint/2012/main"/>
+    </p:ext>
+  </p:extLst>
 </p:presentation>
 </file>
 
@@ -239,7 +244,7 @@
           <a:p>
             <a:fld id="{6AC4AC1F-2B25-4EAE-8F28-83C9CA989234}" type="datetimeFigureOut">
               <a:rPr lang="en-IN" smtClean="0"/>
-              <a:t>31-08-2016</a:t>
+              <a:t>01-09-2016</a:t>
             </a:fld>
             <a:endParaRPr lang="en-IN"/>
           </a:p>
@@ -409,7 +414,7 @@
           <a:p>
             <a:fld id="{6AC4AC1F-2B25-4EAE-8F28-83C9CA989234}" type="datetimeFigureOut">
               <a:rPr lang="en-IN" smtClean="0"/>
-              <a:t>31-08-2016</a:t>
+              <a:t>01-09-2016</a:t>
             </a:fld>
             <a:endParaRPr lang="en-IN"/>
           </a:p>
@@ -589,7 +594,7 @@
           <a:p>
             <a:fld id="{6AC4AC1F-2B25-4EAE-8F28-83C9CA989234}" type="datetimeFigureOut">
               <a:rPr lang="en-IN" smtClean="0"/>
-              <a:t>31-08-2016</a:t>
+              <a:t>01-09-2016</a:t>
             </a:fld>
             <a:endParaRPr lang="en-IN"/>
           </a:p>
@@ -759,7 +764,7 @@
           <a:p>
             <a:fld id="{6AC4AC1F-2B25-4EAE-8F28-83C9CA989234}" type="datetimeFigureOut">
               <a:rPr lang="en-IN" smtClean="0"/>
-              <a:t>31-08-2016</a:t>
+              <a:t>01-09-2016</a:t>
             </a:fld>
             <a:endParaRPr lang="en-IN"/>
           </a:p>
@@ -1003,7 +1008,7 @@
           <a:p>
             <a:fld id="{6AC4AC1F-2B25-4EAE-8F28-83C9CA989234}" type="datetimeFigureOut">
               <a:rPr lang="en-IN" smtClean="0"/>
-              <a:t>31-08-2016</a:t>
+              <a:t>01-09-2016</a:t>
             </a:fld>
             <a:endParaRPr lang="en-IN"/>
           </a:p>
@@ -1235,7 +1240,7 @@
           <a:p>
             <a:fld id="{6AC4AC1F-2B25-4EAE-8F28-83C9CA989234}" type="datetimeFigureOut">
               <a:rPr lang="en-IN" smtClean="0"/>
-              <a:t>31-08-2016</a:t>
+              <a:t>01-09-2016</a:t>
             </a:fld>
             <a:endParaRPr lang="en-IN"/>
           </a:p>
@@ -1602,7 +1607,7 @@
           <a:p>
             <a:fld id="{6AC4AC1F-2B25-4EAE-8F28-83C9CA989234}" type="datetimeFigureOut">
               <a:rPr lang="en-IN" smtClean="0"/>
-              <a:t>31-08-2016</a:t>
+              <a:t>01-09-2016</a:t>
             </a:fld>
             <a:endParaRPr lang="en-IN"/>
           </a:p>
@@ -1720,7 +1725,7 @@
           <a:p>
             <a:fld id="{6AC4AC1F-2B25-4EAE-8F28-83C9CA989234}" type="datetimeFigureOut">
               <a:rPr lang="en-IN" smtClean="0"/>
-              <a:t>31-08-2016</a:t>
+              <a:t>01-09-2016</a:t>
             </a:fld>
             <a:endParaRPr lang="en-IN"/>
           </a:p>
@@ -1815,7 +1820,7 @@
           <a:p>
             <a:fld id="{6AC4AC1F-2B25-4EAE-8F28-83C9CA989234}" type="datetimeFigureOut">
               <a:rPr lang="en-IN" smtClean="0"/>
-              <a:t>31-08-2016</a:t>
+              <a:t>01-09-2016</a:t>
             </a:fld>
             <a:endParaRPr lang="en-IN"/>
           </a:p>
@@ -2092,7 +2097,7 @@
           <a:p>
             <a:fld id="{6AC4AC1F-2B25-4EAE-8F28-83C9CA989234}" type="datetimeFigureOut">
               <a:rPr lang="en-IN" smtClean="0"/>
-              <a:t>31-08-2016</a:t>
+              <a:t>01-09-2016</a:t>
             </a:fld>
             <a:endParaRPr lang="en-IN"/>
           </a:p>
@@ -2349,7 +2354,7 @@
           <a:p>
             <a:fld id="{6AC4AC1F-2B25-4EAE-8F28-83C9CA989234}" type="datetimeFigureOut">
               <a:rPr lang="en-IN" smtClean="0"/>
-              <a:t>31-08-2016</a:t>
+              <a:t>01-09-2016</a:t>
             </a:fld>
             <a:endParaRPr lang="en-IN"/>
           </a:p>
@@ -2562,7 +2567,7 @@
           <a:p>
             <a:fld id="{6AC4AC1F-2B25-4EAE-8F28-83C9CA989234}" type="datetimeFigureOut">
               <a:rPr lang="en-IN" smtClean="0"/>
-              <a:t>31-08-2016</a:t>
+              <a:t>01-09-2016</a:t>
             </a:fld>
             <a:endParaRPr lang="en-IN"/>
           </a:p>
@@ -6416,7 +6421,11 @@
             <a:pPr algn="ctr"/>
             <a:r>
               <a:rPr lang="en-IN" dirty="0" smtClean="0"/>
-              <a:t>Session Beans</a:t>
+              <a:t>3. Session </a:t>
+            </a:r>
+            <a:r>
+              <a:rPr lang="en-IN" dirty="0" smtClean="0"/>
+              <a:t>Beans</a:t>
             </a:r>
             <a:endParaRPr lang="en-IN" dirty="0"/>
           </a:p>
@@ -6557,7 +6566,11 @@
             <a:pPr algn="ctr"/>
             <a:r>
               <a:rPr lang="en-IN" dirty="0" smtClean="0"/>
-              <a:t>Rest API</a:t>
+              <a:t>2. Rest </a:t>
+            </a:r>
+            <a:r>
+              <a:rPr lang="en-IN" dirty="0" smtClean="0"/>
+              <a:t>API</a:t>
             </a:r>
             <a:endParaRPr lang="en-IN" dirty="0"/>
           </a:p>
@@ -6698,7 +6711,11 @@
             <a:pPr algn="ctr"/>
             <a:r>
               <a:rPr lang="en-IN" dirty="0" smtClean="0"/>
-              <a:t>Client Interface</a:t>
+              <a:t>1. Client </a:t>
+            </a:r>
+            <a:r>
+              <a:rPr lang="en-IN" dirty="0" smtClean="0"/>
+              <a:t>Interface</a:t>
             </a:r>
             <a:endParaRPr lang="en-IN" dirty="0"/>
           </a:p>
@@ -6839,7 +6856,11 @@
             <a:pPr algn="ctr"/>
             <a:r>
               <a:rPr lang="en-IN" dirty="0" smtClean="0"/>
-              <a:t>Entity Beans - JPA</a:t>
+              <a:t>4. Entity </a:t>
+            </a:r>
+            <a:r>
+              <a:rPr lang="en-IN" dirty="0" smtClean="0"/>
+              <a:t>Beans - JPA</a:t>
             </a:r>
             <a:endParaRPr lang="en-IN" dirty="0"/>
           </a:p>
@@ -6980,7 +7001,11 @@
             <a:pPr algn="ctr"/>
             <a:r>
               <a:rPr lang="en-IN" dirty="0" smtClean="0"/>
-              <a:t>MySQL Workbench</a:t>
+              <a:t>5. MySQL </a:t>
+            </a:r>
+            <a:r>
+              <a:rPr lang="en-IN" dirty="0" smtClean="0"/>
+              <a:t>Workbench</a:t>
             </a:r>
             <a:endParaRPr lang="en-IN" dirty="0"/>
           </a:p>
@@ -7118,13 +7143,10 @@
           <a:bodyPr rtlCol="0" anchor="ctr"/>
           <a:lstStyle/>
           <a:p>
-            <a:pPr marL="285750" indent="-285750" algn="ctr">
-              <a:buFont typeface="Arial" panose="020B0604020202020204" pitchFamily="34" charset="0"/>
-              <a:buChar char="•"/>
-            </a:pPr>
-            <a:r>
-              <a:rPr lang="en-IN" dirty="0" smtClean="0"/>
-              <a:t>Database</a:t>
+            <a:pPr algn="ctr"/>
+            <a:r>
+              <a:rPr lang="en-IN" smtClean="0"/>
+              <a:t>6. Database</a:t>
             </a:r>
             <a:endParaRPr lang="en-IN" dirty="0"/>
           </a:p>
